--- a/modeller, dokumenter/milepælA fremlæggelse.pptx
+++ b/modeller, dokumenter/milepælA fremlæggelse.pptx
@@ -108,6 +108,11 @@
       </a:defRPr>
     </a:lvl9pPr>
   </p:defaultTextStyle>
+  <p:extLst>
+    <p:ext uri="{EFAFB233-063F-42B5-8137-9DF3F51BA10A}">
+      <p15:sldGuideLst xmlns:p15="http://schemas.microsoft.com/office/powerpoint/2012/main"/>
+    </p:ext>
+  </p:extLst>
 </p:presentation>
 </file>
 
@@ -135,7 +140,7 @@
           </ac:spMkLst>
         </pc:spChg>
         <pc:spChg chg="del">
-          <ac:chgData name="Sofie Blom Jensen" userId="57dd88df5c73f059" providerId="LiveId" clId="{072B16E5-32CE-463E-92CD-DB0ADB89F721}" dt="2018-05-08T10:32:20.359" v="0"/>
+          <ac:chgData name="Sofie Blom Jensen" userId="57dd88df5c73f059" providerId="LiveId" clId="{072B16E5-32CE-463E-92CD-DB0ADB89F721}" dt="2018-05-08T10:32:20.359" v="0" actId="14100"/>
           <ac:spMkLst>
             <pc:docMk/>
             <pc:sldMk cId="4005199512" sldId="257"/>
@@ -389,30 +394,6 @@
             <ac:spMk id="26" creationId="{F80DFCE9-814C-46CF-8B54-3DF7C405D591}"/>
           </ac:spMkLst>
         </pc:spChg>
-        <pc:graphicFrameChg chg="add del">
-          <ac:chgData name="Sofie Blom Jensen" userId="57dd88df5c73f059" providerId="LiveId" clId="{072B16E5-32CE-463E-92CD-DB0ADB89F721}" dt="2018-05-08T10:33:04.907" v="15" actId="26606"/>
-          <ac:graphicFrameMkLst>
-            <pc:docMk/>
-            <pc:sldMk cId="3862271608" sldId="259"/>
-            <ac:graphicFrameMk id="4" creationId="{80791098-8A7B-4A4A-9A51-FF8BA9520F14}"/>
-          </ac:graphicFrameMkLst>
-        </pc:graphicFrameChg>
-        <pc:graphicFrameChg chg="add del">
-          <ac:chgData name="Sofie Blom Jensen" userId="57dd88df5c73f059" providerId="LiveId" clId="{072B16E5-32CE-463E-92CD-DB0ADB89F721}" dt="2018-05-08T10:32:53.768" v="11" actId="26606"/>
-          <ac:graphicFrameMkLst>
-            <pc:docMk/>
-            <pc:sldMk cId="3862271608" sldId="259"/>
-            <ac:graphicFrameMk id="4" creationId="{80791098-8A7B-4A4A-9A51-FF8BA9520F14}"/>
-          </ac:graphicFrameMkLst>
-        </pc:graphicFrameChg>
-        <pc:graphicFrameChg chg="add mod modGraphic">
-          <ac:chgData name="Sofie Blom Jensen" userId="57dd88df5c73f059" providerId="LiveId" clId="{072B16E5-32CE-463E-92CD-DB0ADB89F721}" dt="2018-05-08T10:35:34.186" v="42" actId="1076"/>
-          <ac:graphicFrameMkLst>
-            <pc:docMk/>
-            <pc:sldMk cId="3862271608" sldId="259"/>
-            <ac:graphicFrameMk id="4" creationId="{80791098-8A7B-4A4A-9A51-FF8BA9520F14}"/>
-          </ac:graphicFrameMkLst>
-        </pc:graphicFrameChg>
         <pc:graphicFrameChg chg="add del">
           <ac:chgData name="Sofie Blom Jensen" userId="57dd88df5c73f059" providerId="LiveId" clId="{072B16E5-32CE-463E-92CD-DB0ADB89F721}" dt="2018-05-08T10:33:10.291" v="19" actId="26606"/>
           <ac:graphicFrameMkLst>
@@ -1188,7 +1169,7 @@
           <a:p>
             <a:fld id="{48A87A34-81AB-432B-8DAE-1953F412C126}" type="datetimeFigureOut">
               <a:rPr lang="en-US" dirty="0"/>
-              <a:t>5/8/2018</a:t>
+              <a:t>5/9/2018</a:t>
             </a:fld>
             <a:endParaRPr lang="en-US" dirty="0"/>
           </a:p>
@@ -1394,7 +1375,7 @@
           <a:p>
             <a:fld id="{48A87A34-81AB-432B-8DAE-1953F412C126}" type="datetimeFigureOut">
               <a:rPr lang="en-US" dirty="0"/>
-              <a:t>5/8/2018</a:t>
+              <a:t>5/9/2018</a:t>
             </a:fld>
             <a:endParaRPr lang="en-US" dirty="0"/>
           </a:p>
@@ -1604,7 +1585,7 @@
           <a:p>
             <a:fld id="{48A87A34-81AB-432B-8DAE-1953F412C126}" type="datetimeFigureOut">
               <a:rPr lang="en-US" dirty="0"/>
-              <a:t>5/8/2018</a:t>
+              <a:t>5/9/2018</a:t>
             </a:fld>
             <a:endParaRPr lang="en-US" dirty="0"/>
           </a:p>
@@ -1800,7 +1781,7 @@
           <a:p>
             <a:fld id="{48A87A34-81AB-432B-8DAE-1953F412C126}" type="datetimeFigureOut">
               <a:rPr lang="en-US" dirty="0"/>
-              <a:t>5/8/2018</a:t>
+              <a:t>5/9/2018</a:t>
             </a:fld>
             <a:endParaRPr lang="en-US" dirty="0"/>
           </a:p>
@@ -2074,7 +2055,7 @@
           <a:p>
             <a:fld id="{48A87A34-81AB-432B-8DAE-1953F412C126}" type="datetimeFigureOut">
               <a:rPr lang="en-US" dirty="0"/>
-              <a:t>5/8/2018</a:t>
+              <a:t>5/9/2018</a:t>
             </a:fld>
             <a:endParaRPr lang="en-US" dirty="0"/>
           </a:p>
@@ -2337,7 +2318,7 @@
           <a:p>
             <a:fld id="{48A87A34-81AB-432B-8DAE-1953F412C126}" type="datetimeFigureOut">
               <a:rPr lang="en-US" dirty="0"/>
-              <a:t>5/8/2018</a:t>
+              <a:t>5/9/2018</a:t>
             </a:fld>
             <a:endParaRPr lang="en-US" dirty="0"/>
           </a:p>
@@ -2748,7 +2729,7 @@
           <a:p>
             <a:fld id="{48A87A34-81AB-432B-8DAE-1953F412C126}" type="datetimeFigureOut">
               <a:rPr lang="en-US" dirty="0"/>
-              <a:t>5/8/2018</a:t>
+              <a:t>5/9/2018</a:t>
             </a:fld>
             <a:endParaRPr lang="en-US" dirty="0"/>
           </a:p>
@@ -2892,7 +2873,7 @@
           <a:p>
             <a:fld id="{48A87A34-81AB-432B-8DAE-1953F412C126}" type="datetimeFigureOut">
               <a:rPr lang="en-US" dirty="0"/>
-              <a:t>5/8/2018</a:t>
+              <a:t>5/9/2018</a:t>
             </a:fld>
             <a:endParaRPr lang="en-US" dirty="0"/>
           </a:p>
@@ -3013,7 +2994,7 @@
           <a:p>
             <a:fld id="{48A87A34-81AB-432B-8DAE-1953F412C126}" type="datetimeFigureOut">
               <a:rPr lang="en-US" dirty="0"/>
-              <a:t>5/8/2018</a:t>
+              <a:t>5/9/2018</a:t>
             </a:fld>
             <a:endParaRPr lang="en-US" dirty="0"/>
           </a:p>
@@ -3259,7 +3240,7 @@
           <a:p>
             <a:fld id="{48A87A34-81AB-432B-8DAE-1953F412C126}" type="datetimeFigureOut">
               <a:rPr lang="en-US" dirty="0"/>
-              <a:t>5/8/2018</a:t>
+              <a:t>5/9/2018</a:t>
             </a:fld>
             <a:endParaRPr lang="en-US" dirty="0"/>
           </a:p>
@@ -3700,7 +3681,7 @@
             <a:fld id="{48A87A34-81AB-432B-8DAE-1953F412C126}" type="datetimeFigureOut">
               <a:rPr lang="en-US" dirty="0"/>
               <a:pPr/>
-              <a:t>5/8/2018</a:t>
+              <a:t>5/9/2018</a:t>
             </a:fld>
             <a:endParaRPr lang="en-US" dirty="0"/>
           </a:p>
@@ -4022,7 +4003,7 @@
             <a:fld id="{48A87A34-81AB-432B-8DAE-1953F412C126}" type="datetimeFigureOut">
               <a:rPr lang="en-US" dirty="0"/>
               <a:pPr/>
-              <a:t>5/8/2018</a:t>
+              <a:t>5/9/2018</a:t>
             </a:fld>
             <a:endParaRPr lang="en-US" dirty="0"/>
           </a:p>
@@ -9444,38 +9425,6 @@
           </a:fontRef>
         </p:style>
       </p:cxnSp>
-      <p:pic>
-        <p:nvPicPr>
-          <p:cNvPr id="23" name="Pladsholder til indhold 4">
-            <a:extLst>
-              <a:ext uri="{FF2B5EF4-FFF2-40B4-BE49-F238E27FC236}">
-                <a16:creationId xmlns:a16="http://schemas.microsoft.com/office/drawing/2014/main" id="{86D85A99-7508-4ACF-8173-FC5A57430DAA}"/>
-              </a:ext>
-            </a:extLst>
-          </p:cNvPr>
-          <p:cNvPicPr>
-            <a:picLocks noGrp="1" noChangeAspect="1"/>
-          </p:cNvPicPr>
-          <p:nvPr>
-            <p:ph idx="1"/>
-          </p:nvPr>
-        </p:nvPicPr>
-        <p:blipFill>
-          <a:blip r:embed="rId3"/>
-          <a:stretch>
-            <a:fillRect/>
-          </a:stretch>
-        </p:blipFill>
-        <p:spPr>
-          <a:xfrm>
-            <a:off x="7301038" y="303772"/>
-            <a:ext cx="4411991" cy="5567182"/>
-          </a:xfrm>
-          <a:prstGeom prst="rect">
-            <a:avLst/>
-          </a:prstGeom>
-        </p:spPr>
-      </p:pic>
       <p:sp>
         <p:nvSpPr>
           <p:cNvPr id="2" name="Titel 1">
@@ -9511,6 +9460,35 @@
           </a:p>
         </p:txBody>
       </p:sp>
+      <p:pic>
+        <p:nvPicPr>
+          <p:cNvPr id="6" name="Pladsholder til indhold 5" descr="Et billede, der indeholder tekst, kort&#10;&#10;Beskrivelse, der er oprettet med meget høj sikkerhed">
+            <a:extLst>
+              <a:ext uri="{FF2B5EF4-FFF2-40B4-BE49-F238E27FC236}">
+                <a16:creationId xmlns:a16="http://schemas.microsoft.com/office/drawing/2014/main" id="{68170D9A-B9DB-4FDE-A3EB-6919DCC5EE06}"/>
+              </a:ext>
+            </a:extLst>
+          </p:cNvPr>
+          <p:cNvPicPr>
+            <a:picLocks noGrp="1" noChangeAspect="1"/>
+          </p:cNvPicPr>
+          <p:nvPr>
+            <p:ph idx="1"/>
+          </p:nvPr>
+        </p:nvPicPr>
+        <p:blipFill>
+          <a:blip r:embed="rId3"/>
+          <a:stretch>
+            <a:fillRect/>
+          </a:stretch>
+        </p:blipFill>
+        <p:spPr>
+          <a:xfrm>
+            <a:off x="6483895" y="209562"/>
+            <a:ext cx="5536119" cy="5670458"/>
+          </a:xfrm>
+        </p:spPr>
+      </p:pic>
     </p:spTree>
     <p:extLst>
       <p:ext uri="{BB962C8B-B14F-4D97-AF65-F5344CB8AC3E}">
